--- a/Master_Code/GEPD - Data Flow.pptx
+++ b/Master_Code/GEPD - Data Flow.pptx
@@ -5,10 +5,10 @@
     <p:sldMasterId id="2147483648" r:id="rId1"/>
   </p:sldMasterIdLst>
   <p:notesMasterIdLst>
-    <p:notesMasterId r:id="rId9"/>
+    <p:notesMasterId r:id="rId10"/>
   </p:notesMasterIdLst>
   <p:handoutMasterIdLst>
-    <p:handoutMasterId r:id="rId10"/>
+    <p:handoutMasterId r:id="rId11"/>
   </p:handoutMasterIdLst>
   <p:sldIdLst>
     <p:sldId id="266" r:id="rId2"/>
@@ -18,6 +18,7 @@
     <p:sldId id="267" r:id="rId6"/>
     <p:sldId id="265" r:id="rId7"/>
     <p:sldId id="258" r:id="rId8"/>
+    <p:sldId id="271" r:id="rId9"/>
   </p:sldIdLst>
   <p:sldSz cx="12192000" cy="6858000"/>
   <p:notesSz cx="6858000" cy="9144000"/>
@@ -1203,10 +1204,10 @@
     </pc:docChg>
   </pc:docChgLst>
   <pc:docChgLst>
-    <pc:chgData name="Kristoffer Gustav Bjarkefur" userId="S::kbjarkefur@worldbank.org::8a5547a0-cc82-4be9-aa75-b42fc8c5db38" providerId="AD" clId="Web-{5B764388-4CB1-2BF7-DB14-68865A49CA4A}"/>
+    <pc:chgData name="Kristoffer Gustav Bjarkefur" userId="8a5547a0-cc82-4be9-aa75-b42fc8c5db38" providerId="ADAL" clId="{8759F40F-CCAD-4575-840D-4FB32008D7DC}"/>
   </pc:docChgLst>
   <pc:docChgLst>
-    <pc:chgData name="Kristoffer Gustav Bjarkefur" userId="8a5547a0-cc82-4be9-aa75-b42fc8c5db38" providerId="ADAL" clId="{8759F40F-CCAD-4575-840D-4FB32008D7DC}"/>
+    <pc:chgData name="Kristoffer Gustav Bjarkefur" userId="S::kbjarkefur@worldbank.org::8a5547a0-cc82-4be9-aa75-b42fc8c5db38" providerId="AD" clId="Web-{5B764388-4CB1-2BF7-DB14-68865A49CA4A}"/>
   </pc:docChgLst>
 </pc:chgInfo>
 </file>
@@ -1305,7 +1306,7 @@
           <a:p>
             <a:fld id="{FD3935B8-4D39-4D36-B11F-39911AE10DBE}" type="datetimeFigureOut">
               <a:rPr lang="en-US" smtClean="0"/>
-              <a:t>9/26/2019</a:t>
+              <a:t>10/10/2019</a:t>
             </a:fld>
             <a:endParaRPr lang="en-US"/>
           </a:p>
@@ -1483,7 +1484,7 @@
           <a:p>
             <a:fld id="{BDC761AD-7A70-45BE-916E-83F24085F306}" type="datetimeFigureOut">
               <a:rPr lang="en-US" smtClean="0"/>
-              <a:t>9/26/2019</a:t>
+              <a:t>10/10/2019</a:t>
             </a:fld>
             <a:endParaRPr lang="en-US"/>
           </a:p>
@@ -1898,7 +1899,7 @@
           <a:p>
             <a:fld id="{BEBCF236-2C6B-46C4-BB61-A08C4CDFC5DC}" type="datetime1">
               <a:rPr lang="en-US" smtClean="0"/>
-              <a:t>9/26/2019</a:t>
+              <a:t>10/10/2019</a:t>
             </a:fld>
             <a:endParaRPr lang="en-US"/>
           </a:p>
@@ -2096,7 +2097,7 @@
           <a:p>
             <a:fld id="{4E6E1065-953D-4C9C-8F0E-9A79419F09CA}" type="datetime1">
               <a:rPr lang="en-US" smtClean="0"/>
-              <a:t>9/26/2019</a:t>
+              <a:t>10/10/2019</a:t>
             </a:fld>
             <a:endParaRPr lang="en-US"/>
           </a:p>
@@ -2304,7 +2305,7 @@
           <a:p>
             <a:fld id="{93B9B9EC-E8DE-4C2D-A6DD-0723534F5825}" type="datetime1">
               <a:rPr lang="en-US" smtClean="0"/>
-              <a:t>9/26/2019</a:t>
+              <a:t>10/10/2019</a:t>
             </a:fld>
             <a:endParaRPr lang="en-US"/>
           </a:p>
@@ -2502,7 +2503,7 @@
           <a:p>
             <a:fld id="{2931213E-883A-481E-B7BB-B47BC6A41267}" type="datetime1">
               <a:rPr lang="en-US" smtClean="0"/>
-              <a:t>9/26/2019</a:t>
+              <a:t>10/10/2019</a:t>
             </a:fld>
             <a:endParaRPr lang="en-US"/>
           </a:p>
@@ -2777,7 +2778,7 @@
           <a:p>
             <a:fld id="{A4C3A547-E7EE-46CD-A291-0ADCA5AE0224}" type="datetime1">
               <a:rPr lang="en-US" smtClean="0"/>
-              <a:t>9/26/2019</a:t>
+              <a:t>10/10/2019</a:t>
             </a:fld>
             <a:endParaRPr lang="en-US"/>
           </a:p>
@@ -3042,7 +3043,7 @@
           <a:p>
             <a:fld id="{DAB5DF7F-542E-4F46-ADD2-EEDEFD630F01}" type="datetime1">
               <a:rPr lang="en-US" smtClean="0"/>
-              <a:t>9/26/2019</a:t>
+              <a:t>10/10/2019</a:t>
             </a:fld>
             <a:endParaRPr lang="en-US"/>
           </a:p>
@@ -3454,7 +3455,7 @@
           <a:p>
             <a:fld id="{CC2E61DB-6988-4F7E-9461-4BDA996765AE}" type="datetime1">
               <a:rPr lang="en-US" smtClean="0"/>
-              <a:t>9/26/2019</a:t>
+              <a:t>10/10/2019</a:t>
             </a:fld>
             <a:endParaRPr lang="en-US"/>
           </a:p>
@@ -3595,7 +3596,7 @@
           <a:p>
             <a:fld id="{64C51794-3DC3-43CC-8C7A-F0C0C1B53D89}" type="datetime1">
               <a:rPr lang="en-US" smtClean="0"/>
-              <a:t>9/26/2019</a:t>
+              <a:t>10/10/2019</a:t>
             </a:fld>
             <a:endParaRPr lang="en-US"/>
           </a:p>
@@ -3708,7 +3709,7 @@
           <a:p>
             <a:fld id="{72D27DFE-B64D-43B3-84FB-F76F06094EFA}" type="datetime1">
               <a:rPr lang="en-US" smtClean="0"/>
-              <a:t>9/26/2019</a:t>
+              <a:t>10/10/2019</a:t>
             </a:fld>
             <a:endParaRPr lang="en-US"/>
           </a:p>
@@ -4019,7 +4020,7 @@
           <a:p>
             <a:fld id="{EEA9FAA8-4C1F-4D3F-89E8-9F55AFAD7995}" type="datetime1">
               <a:rPr lang="en-US" smtClean="0"/>
-              <a:t>9/26/2019</a:t>
+              <a:t>10/10/2019</a:t>
             </a:fld>
             <a:endParaRPr lang="en-US"/>
           </a:p>
@@ -4307,7 +4308,7 @@
           <a:p>
             <a:fld id="{E38062F1-D8A0-4253-B2BC-98F83641D93F}" type="datetime1">
               <a:rPr lang="en-US" smtClean="0"/>
-              <a:t>9/26/2019</a:t>
+              <a:t>10/10/2019</a:t>
             </a:fld>
             <a:endParaRPr lang="en-US"/>
           </a:p>
@@ -4548,7 +4549,7 @@
           <a:p>
             <a:fld id="{A185AEE4-6A88-4C4D-84C2-7D491DA3D4B2}" type="datetime1">
               <a:rPr lang="en-US" smtClean="0"/>
-              <a:t>9/26/2019</a:t>
+              <a:t>10/10/2019</a:t>
             </a:fld>
             <a:endParaRPr lang="en-US"/>
           </a:p>
@@ -10940,6 +10941,184 @@
 </p:sld>
 </file>
 
+<file path=ppt/slides/slide8.xml><?xml version="1.0" encoding="utf-8"?>
+<p:sld xmlns:a="http://schemas.openxmlformats.org/drawingml/2006/main" xmlns:r="http://schemas.openxmlformats.org/officeDocument/2006/relationships" xmlns:p="http://schemas.openxmlformats.org/presentationml/2006/main">
+  <p:cSld>
+    <p:spTree>
+      <p:nvGrpSpPr>
+        <p:cNvPr id="1" name=""/>
+        <p:cNvGrpSpPr/>
+        <p:nvPr/>
+      </p:nvGrpSpPr>
+      <p:grpSpPr>
+        <a:xfrm>
+          <a:off x="0" y="0"/>
+          <a:ext cx="0" cy="0"/>
+          <a:chOff x="0" y="0"/>
+          <a:chExt cx="0" cy="0"/>
+        </a:xfrm>
+      </p:grpSpPr>
+      <p:sp>
+        <p:nvSpPr>
+          <p:cNvPr id="2" name="Title 1">
+            <a:extLst>
+              <a:ext uri="{FF2B5EF4-FFF2-40B4-BE49-F238E27FC236}">
+                <a16:creationId xmlns:a16="http://schemas.microsoft.com/office/drawing/2014/main" id="{3104F339-CD02-4794-9E36-89BC767785B2}"/>
+              </a:ext>
+            </a:extLst>
+          </p:cNvPr>
+          <p:cNvSpPr>
+            <a:spLocks noGrp="1"/>
+          </p:cNvSpPr>
+          <p:nvPr>
+            <p:ph type="title"/>
+          </p:nvPr>
+        </p:nvSpPr>
+        <p:spPr/>
+        <p:txBody>
+          <a:bodyPr/>
+          <a:lstStyle/>
+          <a:p>
+            <a:r>
+              <a:rPr lang="en-US" dirty="0"/>
+              <a:t>Anonymization Procedure</a:t>
+            </a:r>
+          </a:p>
+        </p:txBody>
+      </p:sp>
+      <p:sp>
+        <p:nvSpPr>
+          <p:cNvPr id="3" name="Content Placeholder 2">
+            <a:extLst>
+              <a:ext uri="{FF2B5EF4-FFF2-40B4-BE49-F238E27FC236}">
+                <a16:creationId xmlns:a16="http://schemas.microsoft.com/office/drawing/2014/main" id="{AECD75C6-EE46-4865-95AC-E51699D405AA}"/>
+              </a:ext>
+            </a:extLst>
+          </p:cNvPr>
+          <p:cNvSpPr>
+            <a:spLocks noGrp="1"/>
+          </p:cNvSpPr>
+          <p:nvPr>
+            <p:ph idx="1"/>
+          </p:nvPr>
+        </p:nvSpPr>
+        <p:spPr/>
+        <p:txBody>
+          <a:bodyPr>
+            <a:normAutofit fontScale="85000" lnSpcReduction="20000"/>
+          </a:bodyPr>
+          <a:lstStyle/>
+          <a:p>
+            <a:r>
+              <a:rPr lang="en-US" dirty="0"/>
+              <a:t>Immediately following download of data from Survey Solutions, we remove the following and save as an anonymized version of the data:</a:t>
+            </a:r>
+          </a:p>
+          <a:p>
+            <a:pPr lvl="1"/>
+            <a:r>
+              <a:rPr lang="en-US" dirty="0"/>
+              <a:t>Drop Enumerator name</a:t>
+            </a:r>
+          </a:p>
+          <a:p>
+            <a:pPr lvl="1"/>
+            <a:r>
+              <a:rPr lang="en-US" dirty="0"/>
+              <a:t>Drop school name, address, official school codes (EMIS codes)</a:t>
+            </a:r>
+          </a:p>
+          <a:p>
+            <a:pPr lvl="1"/>
+            <a:r>
+              <a:rPr lang="en-US" dirty="0"/>
+              <a:t>Drop principal name, phone numbers</a:t>
+            </a:r>
+          </a:p>
+          <a:p>
+            <a:pPr lvl="1"/>
+            <a:r>
+              <a:rPr lang="en-US" dirty="0"/>
+              <a:t>Drop Geo-code info</a:t>
+            </a:r>
+          </a:p>
+          <a:p>
+            <a:pPr lvl="1"/>
+            <a:r>
+              <a:rPr lang="en-US" dirty="0"/>
+              <a:t>Drop unique responses, such as when respondent is asked to specify other as a choice</a:t>
+            </a:r>
+          </a:p>
+          <a:p>
+            <a:r>
+              <a:rPr lang="en-US" dirty="0"/>
+              <a:t>The following are produced:</a:t>
+            </a:r>
+          </a:p>
+          <a:p>
+            <a:pPr lvl="1"/>
+            <a:r>
+              <a:rPr lang="en-US" dirty="0"/>
+              <a:t>Produce Crypto-hashed School ID, Province ID, District ID</a:t>
+            </a:r>
+          </a:p>
+          <a:p>
+            <a:pPr lvl="1"/>
+            <a:r>
+              <a:rPr lang="en-US" dirty="0"/>
+              <a:t>We convert the following variables into categorical data:</a:t>
+            </a:r>
+          </a:p>
+          <a:p>
+            <a:pPr lvl="2"/>
+            <a:r>
+              <a:rPr lang="en-US" dirty="0"/>
+              <a:t>Respondent age</a:t>
+            </a:r>
+          </a:p>
+          <a:p>
+            <a:pPr lvl="2"/>
+            <a:r>
+              <a:rPr lang="en-US" dirty="0"/>
+              <a:t>Year began teaching</a:t>
+            </a:r>
+          </a:p>
+          <a:p>
+            <a:pPr lvl="2"/>
+            <a:r>
+              <a:rPr lang="en-US" dirty="0"/>
+              <a:t>Number of students in school/class</a:t>
+            </a:r>
+          </a:p>
+          <a:p>
+            <a:pPr lvl="1"/>
+            <a:r>
+              <a:rPr lang="en-US" dirty="0"/>
+              <a:t>Top-coded variables:</a:t>
+            </a:r>
+          </a:p>
+          <a:p>
+            <a:pPr lvl="2"/>
+            <a:r>
+              <a:rPr lang="en-US" dirty="0"/>
+              <a:t>Educational degrees</a:t>
+            </a:r>
+          </a:p>
+        </p:txBody>
+      </p:sp>
+    </p:spTree>
+    <p:extLst>
+      <p:ext uri="{BB962C8B-B14F-4D97-AF65-F5344CB8AC3E}">
+        <p14:creationId xmlns:p14="http://schemas.microsoft.com/office/powerpoint/2010/main" val="3083408890"/>
+      </p:ext>
+    </p:extLst>
+  </p:cSld>
+  <p:clrMapOvr>
+    <a:masterClrMapping/>
+  </p:clrMapOvr>
+</p:sld>
+</file>
+
 <file path=ppt/theme/theme1.xml><?xml version="1.0" encoding="utf-8"?>
 <a:theme xmlns:a="http://schemas.openxmlformats.org/drawingml/2006/main" name="Office Theme">
   <a:themeElements>
